--- a/Final_Presentation.pptx
+++ b/Final_Presentation.pptx
@@ -473,7 +473,7 @@
           <a:p>
             <a:fld id="{5DF2C621-BFB7-407B-9047-AB7DFD26FE76}" type="datetimeFigureOut">
               <a:rPr lang="en-US" smtClean="0"/>
-              <a:t>12/13/2020</a:t>
+              <a:t>12/14/2020</a:t>
             </a:fld>
             <a:endParaRPr lang="en-US"/>
           </a:p>
@@ -903,17 +903,18 @@
             </a:br>
             <a:r>
               <a:rPr lang="en-US" dirty="0"/>
-              <a:t>But when is it better to use one over the other? Well it will become clear as we go over the two algorithms, but the short of it is that BM is more equipped for long search patterns whereas KMP works better with patterns that contain sub-patterns.</a:t>
+              <a:t>There are a wide variety of string searching algorithms available, but KMP and BM are two that rely heavily on preprocessing the pattern being searched for in order to gain information and make skips along the string. </a:t>
             </a:r>
             <a:br>
-              <a:rPr lang="en-US" dirty="0">
-                <a:solidFill>
-                  <a:schemeClr val="tx1">
-                    <a:alpha val="70000"/>
-                  </a:schemeClr>
-                </a:solidFill>
-              </a:rPr>
+              <a:rPr lang="en-US" dirty="0"/>
             </a:br>
+            <a:br>
+              <a:rPr lang="en-US" dirty="0"/>
+            </a:br>
+            <a:r>
+              <a:rPr lang="en-US"/>
+              <a:t>&lt;end&gt;</a:t>
+            </a:r>
             <a:br>
               <a:rPr lang="en-US" dirty="0">
                 <a:solidFill>
@@ -1407,7 +1408,26 @@
           <a:p>
             <a:r>
               <a:rPr lang="en-US" dirty="0"/>
-              <a:t>The first case is when the mismatched character in the text appears at some other position within the pattern. By using the lookup table to locate the location of the next instance of the mismatched character in the string, we can determine how many times we’ll need to shift the pattern for this mismatched character to become a match. In this example, we hit a mismatch between G and A, but once we reference the lookup table we can see that there’s another A to the left of the current pattern position.</a:t>
+              <a:t>The first case is when the mismatched character in the text appears at some other position within the pattern. By using the lookup table to locate the location of the next instance of the mismatched character in the string, we can determine how many times we’ll need to shift the pattern for this mismatched character to become a match. In this example, we hit a mismatch between G and A</a:t>
+            </a:r>
+            <a:br>
+              <a:rPr lang="en-US" dirty="0"/>
+            </a:br>
+            <a:br>
+              <a:rPr lang="en-US" dirty="0"/>
+            </a:br>
+            <a:r>
+              <a:rPr lang="en-US" dirty="0"/>
+              <a:t>[[enter]]</a:t>
+            </a:r>
+          </a:p>
+          <a:p>
+            <a:endParaRPr lang="en-US" dirty="0"/>
+          </a:p>
+          <a:p>
+            <a:r>
+              <a:rPr lang="en-US" dirty="0"/>
+              <a:t> but once we reference the lookup table we can see that there’s another A to the left of the current pattern position.</a:t>
             </a:r>
           </a:p>
           <a:p>
@@ -1549,7 +1569,26 @@
           <a:p>
             <a:r>
               <a:rPr lang="en-US" dirty="0"/>
-              <a:t>This case will happen if the mismatched letter in the text does not appear anywhere else within the pattern. In this case we compare the mismatched character C to the rest of our pattern and our lookup table returns -1, meaning that it does not exist. This means we can completely shift our pattern past C, because we know that we will not produce a valid match.</a:t>
+              <a:t>This case will happen if the mismatched letter in the text does not appear anywhere else within the pattern. In this case we compare the mismatched character C to the rest of our pattern </a:t>
+            </a:r>
+            <a:br>
+              <a:rPr lang="en-US" dirty="0"/>
+            </a:br>
+            <a:br>
+              <a:rPr lang="en-US" dirty="0"/>
+            </a:br>
+            <a:r>
+              <a:rPr lang="en-US" dirty="0"/>
+              <a:t>[[enter]]</a:t>
+            </a:r>
+          </a:p>
+          <a:p>
+            <a:br>
+              <a:rPr lang="en-US" dirty="0"/>
+            </a:br>
+            <a:r>
+              <a:rPr lang="en-US" dirty="0"/>
+              <a:t>and our lookup table returns -1, meaning that it does not exist. This means we can completely shift our pattern past C, because we know that we will not produce a valid match.</a:t>
             </a:r>
             <a:br>
               <a:rPr lang="en-US" dirty="0"/>
@@ -2355,7 +2394,22 @@
           <a:p>
             <a:r>
               <a:rPr lang="en-US" dirty="0"/>
-              <a:t>[[[enter]]] &lt;final&gt;</a:t>
+              <a:t>[[[enter]]]</a:t>
+            </a:r>
+            <a:br>
+              <a:rPr lang="en-US" dirty="0"/>
+            </a:br>
+            <a:r>
+              <a:rPr lang="en-US" dirty="0"/>
+              <a:t>This preprocessing gives KMP a time complexity of O(</a:t>
+            </a:r>
+            <a:r>
+              <a:rPr lang="en-US" dirty="0" err="1"/>
+              <a:t>m+n</a:t>
+            </a:r>
+            <a:r>
+              <a:rPr lang="en-US" dirty="0"/>
+              <a:t>)</a:t>
             </a:r>
           </a:p>
         </p:txBody>
@@ -2599,7 +2653,7 @@
           <a:p>
             <a:r>
               <a:rPr lang="en-US" dirty="0"/>
-              <a:t>Now that we know how these two algorithms work, we can compare their runtimes. Using a control of a standard Brute Force algorithm, we can see how the time complexity of these algorithms grow given a larger data set. We can see that while Boyer-Moore is consistently faster due to its preprocessing, KMP is actually slower than Brute Force. </a:t>
+              <a:t>Now that we know how these two algorithms work, we can compare their runtimes. Using a control of a standard Brute Force algorithm, we can see how the time complexity of these algorithms grow given a larger data set. We can see that while Boyer-Moore is consistently faster due to its preprocessing, KMP is actually slower than Brute Force. This is because KMP aims to gain a sufficient amount of information from it’s preprocessing, meaning that it works best when given a limited alphabet to work from, such as a DNA sequence.</a:t>
             </a:r>
           </a:p>
         </p:txBody>
@@ -2788,7 +2842,7 @@
           <a:p>
             <a:fld id="{AA70F276-1833-4A75-9C1D-A56E2295A68D}" type="datetimeFigureOut">
               <a:rPr lang="en-US" smtClean="0"/>
-              <a:t>12/13/2020</a:t>
+              <a:t>12/14/2020</a:t>
             </a:fld>
             <a:endParaRPr lang="en-US"/>
           </a:p>
@@ -2986,7 +3040,7 @@
           <a:p>
             <a:fld id="{AA70F276-1833-4A75-9C1D-A56E2295A68D}" type="datetimeFigureOut">
               <a:rPr lang="en-US" smtClean="0"/>
-              <a:t>12/13/2020</a:t>
+              <a:t>12/14/2020</a:t>
             </a:fld>
             <a:endParaRPr lang="en-US"/>
           </a:p>
@@ -3194,7 +3248,7 @@
           <a:p>
             <a:fld id="{AA70F276-1833-4A75-9C1D-A56E2295A68D}" type="datetimeFigureOut">
               <a:rPr lang="en-US" smtClean="0"/>
-              <a:t>12/13/2020</a:t>
+              <a:t>12/14/2020</a:t>
             </a:fld>
             <a:endParaRPr lang="en-US"/>
           </a:p>
@@ -3419,7 +3473,7 @@
           <a:p>
             <a:fld id="{AA70F276-1833-4A75-9C1D-A56E2295A68D}" type="datetimeFigureOut">
               <a:rPr lang="en-US" smtClean="0"/>
-              <a:t>12/13/2020</a:t>
+              <a:t>12/14/2020</a:t>
             </a:fld>
             <a:endParaRPr lang="en-US"/>
           </a:p>
@@ -3695,7 +3749,7 @@
           <a:p>
             <a:fld id="{AA70F276-1833-4A75-9C1D-A56E2295A68D}" type="datetimeFigureOut">
               <a:rPr lang="en-US" smtClean="0"/>
-              <a:t>12/13/2020</a:t>
+              <a:t>12/14/2020</a:t>
             </a:fld>
             <a:endParaRPr lang="en-US"/>
           </a:p>
@@ -3965,7 +4019,7 @@
           <a:p>
             <a:fld id="{AA70F276-1833-4A75-9C1D-A56E2295A68D}" type="datetimeFigureOut">
               <a:rPr lang="en-US" smtClean="0"/>
-              <a:t>12/13/2020</a:t>
+              <a:t>12/14/2020</a:t>
             </a:fld>
             <a:endParaRPr lang="en-US"/>
           </a:p>
@@ -4377,7 +4431,7 @@
           <a:p>
             <a:fld id="{AA70F276-1833-4A75-9C1D-A56E2295A68D}" type="datetimeFigureOut">
               <a:rPr lang="en-US" smtClean="0"/>
-              <a:t>12/13/2020</a:t>
+              <a:t>12/14/2020</a:t>
             </a:fld>
             <a:endParaRPr lang="en-US"/>
           </a:p>
@@ -4518,7 +4572,7 @@
           <a:p>
             <a:fld id="{AA70F276-1833-4A75-9C1D-A56E2295A68D}" type="datetimeFigureOut">
               <a:rPr lang="en-US" smtClean="0"/>
-              <a:t>12/13/2020</a:t>
+              <a:t>12/14/2020</a:t>
             </a:fld>
             <a:endParaRPr lang="en-US"/>
           </a:p>
@@ -4631,7 +4685,7 @@
           <a:p>
             <a:fld id="{AA70F276-1833-4A75-9C1D-A56E2295A68D}" type="datetimeFigureOut">
               <a:rPr lang="en-US" smtClean="0"/>
-              <a:t>12/13/2020</a:t>
+              <a:t>12/14/2020</a:t>
             </a:fld>
             <a:endParaRPr lang="en-US"/>
           </a:p>
@@ -4942,7 +4996,7 @@
           <a:p>
             <a:fld id="{AA70F276-1833-4A75-9C1D-A56E2295A68D}" type="datetimeFigureOut">
               <a:rPr lang="en-US" smtClean="0"/>
-              <a:t>12/13/2020</a:t>
+              <a:t>12/14/2020</a:t>
             </a:fld>
             <a:endParaRPr lang="en-US"/>
           </a:p>
@@ -5233,7 +5287,7 @@
           <a:p>
             <a:fld id="{AA70F276-1833-4A75-9C1D-A56E2295A68D}" type="datetimeFigureOut">
               <a:rPr lang="en-US" smtClean="0"/>
-              <a:t>12/13/2020</a:t>
+              <a:t>12/14/2020</a:t>
             </a:fld>
             <a:endParaRPr lang="en-US"/>
           </a:p>
@@ -5541,7 +5595,7 @@
             <a:fld id="{AA70F276-1833-4A75-9C1D-A56E2295A68D}" type="datetimeFigureOut">
               <a:rPr lang="en-US" smtClean="0"/>
               <a:pPr/>
-              <a:t>12/13/2020</a:t>
+              <a:t>12/14/2020</a:t>
             </a:fld>
             <a:endParaRPr lang="en-US" dirty="0"/>
           </a:p>
@@ -7705,7 +7759,7 @@
           <a:p>
             <a:r>
               <a:rPr lang="en-US" sz="2800" dirty="0"/>
-              <a:t>But when is it better to use one over the other? </a:t>
+              <a:t>What do string searching algorithms look like?</a:t>
             </a:r>
           </a:p>
         </p:txBody>
@@ -8932,11 +8986,7 @@
               <a:t>T:  G C A </a:t>
             </a:r>
             <a:r>
-              <a:rPr lang="en-US" sz="2400" dirty="0" err="1">
-                <a:solidFill>
-                  <a:srgbClr val="00B0F0"/>
-                </a:solidFill>
-              </a:rPr>
+              <a:rPr lang="en-US" sz="2400" dirty="0" err="1"/>
               <a:t>A</a:t>
             </a:r>
             <a:r>
@@ -8983,7 +9033,19 @@
                   <a:srgbClr val="00B0F0"/>
                 </a:solidFill>
               </a:rPr>
-              <a:t> A </a:t>
+              <a:t> </a:t>
+            </a:r>
+            <a:r>
+              <a:rPr lang="en-US" sz="2400" dirty="0"/>
+              <a:t>A</a:t>
+            </a:r>
+            <a:r>
+              <a:rPr lang="en-US" sz="2400" dirty="0">
+                <a:solidFill>
+                  <a:srgbClr val="00B0F0"/>
+                </a:solidFill>
+              </a:rPr>
+              <a:t> </a:t>
             </a:r>
             <a:r>
               <a:rPr lang="en-US" sz="2400" dirty="0"/>
@@ -9197,6 +9259,214 @@
           </a:prstGeom>
         </p:spPr>
       </p:pic>
+      <p:sp>
+        <p:nvSpPr>
+          <p:cNvPr id="12" name="Rectangle: Rounded Corners 11">
+            <a:extLst>
+              <a:ext uri="{FF2B5EF4-FFF2-40B4-BE49-F238E27FC236}">
+                <a16:creationId xmlns:a16="http://schemas.microsoft.com/office/drawing/2014/main" id="{7389A644-BB89-484A-BDD7-A085B352DAE5}"/>
+              </a:ext>
+            </a:extLst>
+          </p:cNvPr>
+          <p:cNvSpPr/>
+          <p:nvPr/>
+        </p:nvSpPr>
+        <p:spPr>
+          <a:xfrm flipV="1">
+            <a:off x="2117482" y="3182035"/>
+            <a:ext cx="350739" cy="310595"/>
+          </a:xfrm>
+          <a:prstGeom prst="roundRect">
+            <a:avLst/>
+          </a:prstGeom>
+          <a:noFill/>
+          <a:ln>
+            <a:solidFill>
+              <a:srgbClr val="0070C0"/>
+            </a:solidFill>
+          </a:ln>
+        </p:spPr>
+        <p:style>
+          <a:lnRef idx="2">
+            <a:schemeClr val="accent1">
+              <a:shade val="50000"/>
+            </a:schemeClr>
+          </a:lnRef>
+          <a:fillRef idx="1">
+            <a:schemeClr val="accent1"/>
+          </a:fillRef>
+          <a:effectRef idx="0">
+            <a:schemeClr val="accent1"/>
+          </a:effectRef>
+          <a:fontRef idx="minor">
+            <a:schemeClr val="lt1"/>
+          </a:fontRef>
+        </p:style>
+        <p:txBody>
+          <a:bodyPr rtlCol="0" anchor="ctr"/>
+          <a:lstStyle/>
+          <a:p>
+            <a:pPr algn="ctr"/>
+            <a:endParaRPr lang="en-US" dirty="0"/>
+          </a:p>
+        </p:txBody>
+      </p:sp>
+      <p:sp>
+        <p:nvSpPr>
+          <p:cNvPr id="13" name="Rectangle: Rounded Corners 12">
+            <a:extLst>
+              <a:ext uri="{FF2B5EF4-FFF2-40B4-BE49-F238E27FC236}">
+                <a16:creationId xmlns:a16="http://schemas.microsoft.com/office/drawing/2014/main" id="{46A28DA5-D710-451D-8AD6-2BF5A080DCA8}"/>
+              </a:ext>
+            </a:extLst>
+          </p:cNvPr>
+          <p:cNvSpPr/>
+          <p:nvPr/>
+        </p:nvSpPr>
+        <p:spPr>
+          <a:xfrm flipV="1">
+            <a:off x="1627353" y="3562485"/>
+            <a:ext cx="350739" cy="307085"/>
+          </a:xfrm>
+          <a:prstGeom prst="roundRect">
+            <a:avLst/>
+          </a:prstGeom>
+          <a:noFill/>
+          <a:ln>
+            <a:solidFill>
+              <a:srgbClr val="0070C0"/>
+            </a:solidFill>
+          </a:ln>
+        </p:spPr>
+        <p:style>
+          <a:lnRef idx="2">
+            <a:schemeClr val="accent1">
+              <a:shade val="50000"/>
+            </a:schemeClr>
+          </a:lnRef>
+          <a:fillRef idx="1">
+            <a:schemeClr val="accent1"/>
+          </a:fillRef>
+          <a:effectRef idx="0">
+            <a:schemeClr val="accent1"/>
+          </a:effectRef>
+          <a:fontRef idx="minor">
+            <a:schemeClr val="lt1"/>
+          </a:fontRef>
+        </p:style>
+        <p:txBody>
+          <a:bodyPr rtlCol="0" anchor="ctr"/>
+          <a:lstStyle/>
+          <a:p>
+            <a:pPr algn="ctr"/>
+            <a:endParaRPr lang="en-US" dirty="0"/>
+          </a:p>
+        </p:txBody>
+      </p:sp>
+      <p:sp>
+        <p:nvSpPr>
+          <p:cNvPr id="14" name="Rectangle: Rounded Corners 13">
+            <a:extLst>
+              <a:ext uri="{FF2B5EF4-FFF2-40B4-BE49-F238E27FC236}">
+                <a16:creationId xmlns:a16="http://schemas.microsoft.com/office/drawing/2014/main" id="{F2698CC4-AA04-4F8D-8CDC-00D5605EB86D}"/>
+              </a:ext>
+            </a:extLst>
+          </p:cNvPr>
+          <p:cNvSpPr/>
+          <p:nvPr/>
+        </p:nvSpPr>
+        <p:spPr>
+          <a:xfrm flipV="1">
+            <a:off x="2166566" y="4207215"/>
+            <a:ext cx="350739" cy="307085"/>
+          </a:xfrm>
+          <a:prstGeom prst="roundRect">
+            <a:avLst/>
+          </a:prstGeom>
+          <a:noFill/>
+          <a:ln>
+            <a:solidFill>
+              <a:srgbClr val="0070C0"/>
+            </a:solidFill>
+          </a:ln>
+        </p:spPr>
+        <p:style>
+          <a:lnRef idx="2">
+            <a:schemeClr val="accent1">
+              <a:shade val="50000"/>
+            </a:schemeClr>
+          </a:lnRef>
+          <a:fillRef idx="1">
+            <a:schemeClr val="accent1"/>
+          </a:fillRef>
+          <a:effectRef idx="0">
+            <a:schemeClr val="accent1"/>
+          </a:effectRef>
+          <a:fontRef idx="minor">
+            <a:schemeClr val="lt1"/>
+          </a:fontRef>
+        </p:style>
+        <p:txBody>
+          <a:bodyPr rtlCol="0" anchor="ctr"/>
+          <a:lstStyle/>
+          <a:p>
+            <a:pPr algn="ctr"/>
+            <a:endParaRPr lang="en-US" dirty="0"/>
+          </a:p>
+        </p:txBody>
+      </p:sp>
+      <p:sp>
+        <p:nvSpPr>
+          <p:cNvPr id="15" name="Rectangle: Rounded Corners 14">
+            <a:extLst>
+              <a:ext uri="{FF2B5EF4-FFF2-40B4-BE49-F238E27FC236}">
+                <a16:creationId xmlns:a16="http://schemas.microsoft.com/office/drawing/2014/main" id="{B84AB3AF-E4D1-48BA-BA3E-89956E442ADE}"/>
+              </a:ext>
+            </a:extLst>
+          </p:cNvPr>
+          <p:cNvSpPr/>
+          <p:nvPr/>
+        </p:nvSpPr>
+        <p:spPr>
+          <a:xfrm flipV="1">
+            <a:off x="2131123" y="3530075"/>
+            <a:ext cx="350739" cy="307085"/>
+          </a:xfrm>
+          <a:prstGeom prst="roundRect">
+            <a:avLst/>
+          </a:prstGeom>
+          <a:noFill/>
+          <a:ln>
+            <a:solidFill>
+              <a:srgbClr val="0070C0"/>
+            </a:solidFill>
+          </a:ln>
+        </p:spPr>
+        <p:style>
+          <a:lnRef idx="2">
+            <a:schemeClr val="accent1">
+              <a:shade val="50000"/>
+            </a:schemeClr>
+          </a:lnRef>
+          <a:fillRef idx="1">
+            <a:schemeClr val="accent1"/>
+          </a:fillRef>
+          <a:effectRef idx="0">
+            <a:schemeClr val="accent1"/>
+          </a:effectRef>
+          <a:fontRef idx="minor">
+            <a:schemeClr val="lt1"/>
+          </a:fontRef>
+        </p:style>
+        <p:txBody>
+          <a:bodyPr rtlCol="0" anchor="ctr"/>
+          <a:lstStyle/>
+          <a:p>
+            <a:pPr algn="ctr"/>
+            <a:endParaRPr lang="en-US" dirty="0"/>
+          </a:p>
+        </p:txBody>
+      </p:sp>
     </p:spTree>
     <p:extLst>
       <p:ext uri="{BB962C8B-B14F-4D97-AF65-F5344CB8AC3E}">
@@ -9366,7 +9636,7 @@
                             </p:stCondLst>
                             <p:childTnLst>
                               <p:par>
-                                <p:cTn id="15" presetID="10" presetClass="entr" presetSubtype="0" fill="hold" grpId="0" nodeType="clickEffect">
+                                <p:cTn id="15" presetID="1" presetClass="entr" presetSubtype="0" fill="hold" grpId="0" nodeType="clickEffect">
                                   <p:stCondLst>
                                     <p:cond delay="0"/>
                                   </p:stCondLst>
@@ -9379,6 +9649,123 @@
                                           </p:stCondLst>
                                         </p:cTn>
                                         <p:tgtEl>
+                                          <p:spTgt spid="12"/>
+                                        </p:tgtEl>
+                                        <p:attrNameLst>
+                                          <p:attrName>style.visibility</p:attrName>
+                                        </p:attrNameLst>
+                                      </p:cBhvr>
+                                      <p:to>
+                                        <p:strVal val="visible"/>
+                                      </p:to>
+                                    </p:set>
+                                  </p:childTnLst>
+                                </p:cTn>
+                              </p:par>
+                              <p:par>
+                                <p:cTn id="17" presetID="1" presetClass="entr" presetSubtype="0" fill="hold" grpId="0" nodeType="withEffect">
+                                  <p:stCondLst>
+                                    <p:cond delay="0"/>
+                                  </p:stCondLst>
+                                  <p:childTnLst>
+                                    <p:set>
+                                      <p:cBhvr>
+                                        <p:cTn id="18" dur="1" fill="hold">
+                                          <p:stCondLst>
+                                            <p:cond delay="0"/>
+                                          </p:stCondLst>
+                                        </p:cTn>
+                                        <p:tgtEl>
+                                          <p:spTgt spid="15"/>
+                                        </p:tgtEl>
+                                        <p:attrNameLst>
+                                          <p:attrName>style.visibility</p:attrName>
+                                        </p:attrNameLst>
+                                      </p:cBhvr>
+                                      <p:to>
+                                        <p:strVal val="visible"/>
+                                      </p:to>
+                                    </p:set>
+                                  </p:childTnLst>
+                                </p:cTn>
+                              </p:par>
+                            </p:childTnLst>
+                          </p:cTn>
+                        </p:par>
+                      </p:childTnLst>
+                    </p:cTn>
+                  </p:par>
+                  <p:par>
+                    <p:cTn id="19" fill="hold">
+                      <p:stCondLst>
+                        <p:cond delay="indefinite"/>
+                      </p:stCondLst>
+                      <p:childTnLst>
+                        <p:par>
+                          <p:cTn id="20" fill="hold">
+                            <p:stCondLst>
+                              <p:cond delay="0"/>
+                            </p:stCondLst>
+                            <p:childTnLst>
+                              <p:par>
+                                <p:cTn id="21" presetID="1" presetClass="entr" presetSubtype="0" fill="hold" grpId="0" nodeType="clickEffect">
+                                  <p:stCondLst>
+                                    <p:cond delay="0"/>
+                                  </p:stCondLst>
+                                  <p:childTnLst>
+                                    <p:set>
+                                      <p:cBhvr>
+                                        <p:cTn id="22" dur="1" fill="hold">
+                                          <p:stCondLst>
+                                            <p:cond delay="0"/>
+                                          </p:stCondLst>
+                                        </p:cTn>
+                                        <p:tgtEl>
+                                          <p:spTgt spid="13"/>
+                                        </p:tgtEl>
+                                        <p:attrNameLst>
+                                          <p:attrName>style.visibility</p:attrName>
+                                        </p:attrNameLst>
+                                      </p:cBhvr>
+                                      <p:to>
+                                        <p:strVal val="visible"/>
+                                      </p:to>
+                                    </p:set>
+                                  </p:childTnLst>
+                                </p:cTn>
+                              </p:par>
+                            </p:childTnLst>
+                          </p:cTn>
+                        </p:par>
+                      </p:childTnLst>
+                    </p:cTn>
+                  </p:par>
+                  <p:par>
+                    <p:cTn id="23" fill="hold">
+                      <p:stCondLst>
+                        <p:cond delay="indefinite"/>
+                      </p:stCondLst>
+                      <p:childTnLst>
+                        <p:par>
+                          <p:cTn id="24" fill="hold">
+                            <p:stCondLst>
+                              <p:cond delay="0"/>
+                            </p:stCondLst>
+                            <p:childTnLst>
+                              <p:par>
+                                <p:cTn id="25" presetID="10" presetClass="entr" presetSubtype="0" fill="hold" grpId="0" nodeType="clickEffect">
+                                  <p:stCondLst>
+                                    <p:cond delay="0"/>
+                                  </p:stCondLst>
+                                  <p:childTnLst>
+                                    <p:set>
+                                      <p:cBhvr>
+                                        <p:cTn id="26" dur="1" fill="hold">
+                                          <p:stCondLst>
+                                            <p:cond delay="0"/>
+                                          </p:stCondLst>
+                                        </p:cTn>
+                                        <p:tgtEl>
                                           <p:spTgt spid="24"/>
                                         </p:tgtEl>
                                         <p:attrNameLst>
@@ -9391,7 +9778,7 @@
                                     </p:set>
                                     <p:animEffect transition="in" filter="fade">
                                       <p:cBhvr>
-                                        <p:cTn id="17" dur="500"/>
+                                        <p:cTn id="27" dur="500"/>
                                         <p:tgtEl>
                                           <p:spTgt spid="24"/>
                                         </p:tgtEl>
@@ -9401,14 +9788,41 @@
                                 </p:cTn>
                               </p:par>
                               <p:par>
-                                <p:cTn id="18" presetID="10" presetClass="entr" presetSubtype="0" fill="hold" grpId="0" nodeType="withEffect">
+                                <p:cTn id="28" presetID="1" presetClass="exit" presetSubtype="0" fill="hold" grpId="1" nodeType="withEffect">
                                   <p:stCondLst>
                                     <p:cond delay="0"/>
                                   </p:stCondLst>
                                   <p:childTnLst>
                                     <p:set>
                                       <p:cBhvr>
-                                        <p:cTn id="19" dur="1" fill="hold">
+                                        <p:cTn id="29" dur="1" fill="hold">
+                                          <p:stCondLst>
+                                            <p:cond delay="0"/>
+                                          </p:stCondLst>
+                                        </p:cTn>
+                                        <p:tgtEl>
+                                          <p:spTgt spid="15"/>
+                                        </p:tgtEl>
+                                        <p:attrNameLst>
+                                          <p:attrName>style.visibility</p:attrName>
+                                        </p:attrNameLst>
+                                      </p:cBhvr>
+                                      <p:to>
+                                        <p:strVal val="hidden"/>
+                                      </p:to>
+                                    </p:set>
+                                  </p:childTnLst>
+                                </p:cTn>
+                              </p:par>
+                              <p:par>
+                                <p:cTn id="30" presetID="10" presetClass="entr" presetSubtype="0" fill="hold" grpId="0" nodeType="withEffect">
+                                  <p:stCondLst>
+                                    <p:cond delay="0"/>
+                                  </p:stCondLst>
+                                  <p:childTnLst>
+                                    <p:set>
+                                      <p:cBhvr>
+                                        <p:cTn id="31" dur="1" fill="hold">
                                           <p:stCondLst>
                                             <p:cond delay="0"/>
                                           </p:stCondLst>
@@ -9426,7 +9840,7 @@
                                     </p:set>
                                     <p:animEffect transition="in" filter="fade">
                                       <p:cBhvr>
-                                        <p:cTn id="20" dur="500"/>
+                                        <p:cTn id="32" dur="500"/>
                                         <p:tgtEl>
                                           <p:spTgt spid="28"/>
                                         </p:tgtEl>
@@ -9442,32 +9856,95 @@
                     </p:cTn>
                   </p:par>
                   <p:par>
-                    <p:cTn id="21" fill="hold">
+                    <p:cTn id="33" fill="hold">
                       <p:stCondLst>
                         <p:cond delay="indefinite"/>
                       </p:stCondLst>
                       <p:childTnLst>
                         <p:par>
-                          <p:cTn id="22" fill="hold">
+                          <p:cTn id="34" fill="hold">
                             <p:stCondLst>
                               <p:cond delay="0"/>
                             </p:stCondLst>
                             <p:childTnLst>
                               <p:par>
-                                <p:cTn id="23" presetID="10" presetClass="entr" presetSubtype="0" fill="hold" grpId="0" nodeType="clickEffect">
+                                <p:cTn id="35" presetID="1" presetClass="exit" presetSubtype="0" fill="hold" grpId="1" nodeType="clickEffect">
                                   <p:stCondLst>
                                     <p:cond delay="0"/>
                                   </p:stCondLst>
                                   <p:childTnLst>
                                     <p:set>
                                       <p:cBhvr>
-                                        <p:cTn id="24" dur="1" fill="hold">
+                                        <p:cTn id="36" dur="1" fill="hold">
                                           <p:stCondLst>
                                             <p:cond delay="0"/>
                                           </p:stCondLst>
                                         </p:cTn>
                                         <p:tgtEl>
+                                          <p:spTgt spid="13"/>
+                                        </p:tgtEl>
+                                        <p:attrNameLst>
+                                          <p:attrName>style.visibility</p:attrName>
+                                        </p:attrNameLst>
+                                      </p:cBhvr>
+                                      <p:to>
+                                        <p:strVal val="hidden"/>
+                                      </p:to>
+                                    </p:set>
+                                  </p:childTnLst>
+                                </p:cTn>
+                              </p:par>
+                            </p:childTnLst>
+                          </p:cTn>
+                        </p:par>
+                        <p:par>
+                          <p:cTn id="37" fill="hold">
+                            <p:stCondLst>
+                              <p:cond delay="0"/>
+                            </p:stCondLst>
+                            <p:childTnLst>
+                              <p:par>
+                                <p:cTn id="38" presetID="1" presetClass="entr" presetSubtype="0" fill="hold" grpId="0" nodeType="afterEffect">
+                                  <p:stCondLst>
+                                    <p:cond delay="0"/>
+                                  </p:stCondLst>
+                                  <p:childTnLst>
+                                    <p:set>
+                                      <p:cBhvr>
+                                        <p:cTn id="39" dur="1" fill="hold">
+                                          <p:stCondLst>
+                                            <p:cond delay="0"/>
+                                          </p:stCondLst>
+                                        </p:cTn>
+                                        <p:tgtEl>
                                           <p:spTgt spid="27"/>
+                                        </p:tgtEl>
+                                        <p:attrNameLst>
+                                          <p:attrName>style.visibility</p:attrName>
+                                        </p:attrNameLst>
+                                      </p:cBhvr>
+                                      <p:to>
+                                        <p:strVal val="visible"/>
+                                      </p:to>
+                                    </p:set>
+                                  </p:childTnLst>
+                                </p:cTn>
+                              </p:par>
+                              <p:par>
+                                <p:cTn id="40" presetID="10" presetClass="entr" presetSubtype="0" fill="hold" grpId="0" nodeType="withEffect">
+                                  <p:stCondLst>
+                                    <p:cond delay="0"/>
+                                  </p:stCondLst>
+                                  <p:childTnLst>
+                                    <p:set>
+                                      <p:cBhvr>
+                                        <p:cTn id="41" dur="1" fill="hold">
+                                          <p:stCondLst>
+                                            <p:cond delay="0"/>
+                                          </p:stCondLst>
+                                        </p:cTn>
+                                        <p:tgtEl>
+                                          <p:spTgt spid="14"/>
                                         </p:tgtEl>
                                         <p:attrNameLst>
                                           <p:attrName>style.visibility</p:attrName>
@@ -9479,9 +9956,9 @@
                                     </p:set>
                                     <p:animEffect transition="in" filter="fade">
                                       <p:cBhvr>
-                                        <p:cTn id="25" dur="500"/>
-                                        <p:tgtEl>
-                                          <p:spTgt spid="27"/>
+                                        <p:cTn id="42" dur="500"/>
+                                        <p:tgtEl>
+                                          <p:spTgt spid="14"/>
                                         </p:tgtEl>
                                       </p:cBhvr>
                                     </p:animEffect>
@@ -9519,6 +9996,12 @@
       <p:bldP spid="24" grpId="0"/>
       <p:bldP spid="27" grpId="0"/>
       <p:bldP spid="28" grpId="0"/>
+      <p:bldP spid="12" grpId="0" animBg="1"/>
+      <p:bldP spid="13" grpId="0" animBg="1"/>
+      <p:bldP spid="13" grpId="1" animBg="1"/>
+      <p:bldP spid="14" grpId="0" animBg="1"/>
+      <p:bldP spid="15" grpId="0" animBg="1"/>
+      <p:bldP spid="15" grpId="1" animBg="1"/>
     </p:bldLst>
   </p:timing>
 </p:sld>
@@ -10078,27 +10561,36 @@
                             </p:childTnLst>
                           </p:cTn>
                         </p:par>
+                      </p:childTnLst>
+                    </p:cTn>
+                  </p:par>
+                  <p:par>
+                    <p:cTn id="14" fill="hold">
+                      <p:stCondLst>
+                        <p:cond delay="indefinite"/>
+                      </p:stCondLst>
+                      <p:childTnLst>
                         <p:par>
-                          <p:cTn id="14" fill="hold">
+                          <p:cTn id="15" fill="hold">
                             <p:stCondLst>
-                              <p:cond delay="500"/>
+                              <p:cond delay="0"/>
                             </p:stCondLst>
                             <p:childTnLst>
                               <p:par>
-                                <p:cTn id="15" presetID="10" presetClass="entr" presetSubtype="0" fill="hold" grpId="0" nodeType="afterEffect">
+                                <p:cTn id="16" presetID="10" presetClass="entr" presetSubtype="0" fill="hold" grpId="0" nodeType="clickEffect">
                                   <p:stCondLst>
                                     <p:cond delay="0"/>
                                   </p:stCondLst>
                                   <p:childTnLst>
                                     <p:set>
                                       <p:cBhvr>
-                                        <p:cTn id="16" dur="1" fill="hold">
+                                        <p:cTn id="17" dur="1" fill="hold">
                                           <p:stCondLst>
                                             <p:cond delay="0"/>
                                           </p:stCondLst>
                                         </p:cTn>
                                         <p:tgtEl>
-                                          <p:spTgt spid="11"/>
+                                          <p:spTgt spid="17"/>
                                         </p:tgtEl>
                                         <p:attrNameLst>
                                           <p:attrName>style.visibility</p:attrName>
@@ -10110,167 +10602,9 @@
                                     </p:set>
                                     <p:animEffect transition="in" filter="fade">
                                       <p:cBhvr>
-                                        <p:cTn id="17" dur="500"/>
-                                        <p:tgtEl>
-                                          <p:spTgt spid="11"/>
-                                        </p:tgtEl>
-                                      </p:cBhvr>
-                                    </p:animEffect>
-                                  </p:childTnLst>
-                                </p:cTn>
-                              </p:par>
-                              <p:par>
-                                <p:cTn id="18" presetID="10" presetClass="entr" presetSubtype="0" fill="hold" grpId="0" nodeType="withEffect">
-                                  <p:stCondLst>
-                                    <p:cond delay="0"/>
-                                  </p:stCondLst>
-                                  <p:childTnLst>
-                                    <p:set>
-                                      <p:cBhvr>
-                                        <p:cTn id="19" dur="1" fill="hold">
-                                          <p:stCondLst>
-                                            <p:cond delay="0"/>
-                                          </p:stCondLst>
-                                        </p:cTn>
-                                        <p:tgtEl>
-                                          <p:spTgt spid="19"/>
-                                        </p:tgtEl>
-                                        <p:attrNameLst>
-                                          <p:attrName>style.visibility</p:attrName>
-                                        </p:attrNameLst>
-                                      </p:cBhvr>
-                                      <p:to>
-                                        <p:strVal val="visible"/>
-                                      </p:to>
-                                    </p:set>
-                                    <p:animEffect transition="in" filter="fade">
-                                      <p:cBhvr>
-                                        <p:cTn id="20" dur="500"/>
-                                        <p:tgtEl>
-                                          <p:spTgt spid="19"/>
-                                        </p:tgtEl>
-                                      </p:cBhvr>
-                                    </p:animEffect>
-                                  </p:childTnLst>
-                                </p:cTn>
-                              </p:par>
-                            </p:childTnLst>
-                          </p:cTn>
-                        </p:par>
-                        <p:par>
-                          <p:cTn id="21" fill="hold">
-                            <p:stCondLst>
-                              <p:cond delay="1000"/>
-                            </p:stCondLst>
-                            <p:childTnLst>
-                              <p:par>
-                                <p:cTn id="22" presetID="10" presetClass="entr" presetSubtype="0" fill="hold" grpId="0" nodeType="afterEffect">
-                                  <p:stCondLst>
-                                    <p:cond delay="0"/>
-                                  </p:stCondLst>
-                                  <p:childTnLst>
-                                    <p:set>
-                                      <p:cBhvr>
-                                        <p:cTn id="23" dur="1" fill="hold">
-                                          <p:stCondLst>
-                                            <p:cond delay="0"/>
-                                          </p:stCondLst>
-                                        </p:cTn>
-                                        <p:tgtEl>
-                                          <p:spTgt spid="23"/>
-                                        </p:tgtEl>
-                                        <p:attrNameLst>
-                                          <p:attrName>style.visibility</p:attrName>
-                                        </p:attrNameLst>
-                                      </p:cBhvr>
-                                      <p:to>
-                                        <p:strVal val="visible"/>
-                                      </p:to>
-                                    </p:set>
-                                    <p:animEffect transition="in" filter="fade">
-                                      <p:cBhvr>
-                                        <p:cTn id="24" dur="500"/>
-                                        <p:tgtEl>
-                                          <p:spTgt spid="23"/>
-                                        </p:tgtEl>
-                                      </p:cBhvr>
-                                    </p:animEffect>
-                                  </p:childTnLst>
-                                </p:cTn>
-                              </p:par>
-                              <p:par>
-                                <p:cTn id="25" presetID="10" presetClass="entr" presetSubtype="0" fill="hold" grpId="0" nodeType="withEffect">
-                                  <p:stCondLst>
-                                    <p:cond delay="0"/>
-                                  </p:stCondLst>
-                                  <p:childTnLst>
-                                    <p:set>
-                                      <p:cBhvr>
-                                        <p:cTn id="26" dur="1" fill="hold">
-                                          <p:stCondLst>
-                                            <p:cond delay="0"/>
-                                          </p:stCondLst>
-                                        </p:cTn>
-                                        <p:tgtEl>
-                                          <p:spTgt spid="21"/>
-                                        </p:tgtEl>
-                                        <p:attrNameLst>
-                                          <p:attrName>style.visibility</p:attrName>
-                                        </p:attrNameLst>
-                                      </p:cBhvr>
-                                      <p:to>
-                                        <p:strVal val="visible"/>
-                                      </p:to>
-                                    </p:set>
-                                    <p:animEffect transition="in" filter="fade">
-                                      <p:cBhvr>
-                                        <p:cTn id="27" dur="500"/>
-                                        <p:tgtEl>
-                                          <p:spTgt spid="21"/>
-                                        </p:tgtEl>
-                                      </p:cBhvr>
-                                    </p:animEffect>
-                                  </p:childTnLst>
-                                </p:cTn>
-                              </p:par>
-                            </p:childTnLst>
-                          </p:cTn>
-                        </p:par>
-                        <p:par>
-                          <p:cTn id="28" fill="hold">
-                            <p:stCondLst>
-                              <p:cond delay="1500"/>
-                            </p:stCondLst>
-                            <p:childTnLst>
-                              <p:par>
-                                <p:cTn id="29" presetID="10" presetClass="entr" presetSubtype="0" fill="hold" grpId="0" nodeType="afterEffect">
-                                  <p:stCondLst>
-                                    <p:cond delay="0"/>
-                                  </p:stCondLst>
-                                  <p:childTnLst>
-                                    <p:set>
-                                      <p:cBhvr>
-                                        <p:cTn id="30" dur="1" fill="hold">
-                                          <p:stCondLst>
-                                            <p:cond delay="0"/>
-                                          </p:stCondLst>
-                                        </p:cTn>
-                                        <p:tgtEl>
-                                          <p:spTgt spid="22"/>
-                                        </p:tgtEl>
-                                        <p:attrNameLst>
-                                          <p:attrName>style.visibility</p:attrName>
-                                        </p:attrNameLst>
-                                      </p:cBhvr>
-                                      <p:to>
-                                        <p:strVal val="visible"/>
-                                      </p:to>
-                                    </p:set>
-                                    <p:animEffect transition="in" filter="fade">
-                                      <p:cBhvr>
-                                        <p:cTn id="31" dur="500"/>
-                                        <p:tgtEl>
-                                          <p:spTgt spid="22"/>
+                                        <p:cTn id="18" dur="500"/>
+                                        <p:tgtEl>
+                                          <p:spTgt spid="17"/>
                                         </p:tgtEl>
                                       </p:cBhvr>
                                     </p:animEffect>
@@ -10284,32 +10618,32 @@
                     </p:cTn>
                   </p:par>
                   <p:par>
-                    <p:cTn id="32" fill="hold">
+                    <p:cTn id="19" fill="hold">
                       <p:stCondLst>
                         <p:cond delay="indefinite"/>
                       </p:stCondLst>
                       <p:childTnLst>
                         <p:par>
-                          <p:cTn id="33" fill="hold">
+                          <p:cTn id="20" fill="hold">
                             <p:stCondLst>
                               <p:cond delay="0"/>
                             </p:stCondLst>
                             <p:childTnLst>
                               <p:par>
-                                <p:cTn id="34" presetID="10" presetClass="entr" presetSubtype="0" fill="hold" grpId="0" nodeType="clickEffect">
+                                <p:cTn id="21" presetID="10" presetClass="entr" presetSubtype="0" fill="hold" grpId="0" nodeType="clickEffect">
                                   <p:stCondLst>
                                     <p:cond delay="0"/>
                                   </p:stCondLst>
                                   <p:childTnLst>
                                     <p:set>
                                       <p:cBhvr>
-                                        <p:cTn id="35" dur="1" fill="hold">
+                                        <p:cTn id="22" dur="1" fill="hold">
                                           <p:stCondLst>
                                             <p:cond delay="0"/>
                                           </p:stCondLst>
                                         </p:cTn>
                                         <p:tgtEl>
-                                          <p:spTgt spid="17"/>
+                                          <p:spTgt spid="11"/>
                                         </p:tgtEl>
                                         <p:attrNameLst>
                                           <p:attrName>style.visibility</p:attrName>
@@ -10321,9 +10655,167 @@
                                     </p:set>
                                     <p:animEffect transition="in" filter="fade">
                                       <p:cBhvr>
-                                        <p:cTn id="36" dur="500"/>
-                                        <p:tgtEl>
-                                          <p:spTgt spid="17"/>
+                                        <p:cTn id="23" dur="500"/>
+                                        <p:tgtEl>
+                                          <p:spTgt spid="11"/>
+                                        </p:tgtEl>
+                                      </p:cBhvr>
+                                    </p:animEffect>
+                                  </p:childTnLst>
+                                </p:cTn>
+                              </p:par>
+                              <p:par>
+                                <p:cTn id="24" presetID="10" presetClass="entr" presetSubtype="0" fill="hold" grpId="0" nodeType="withEffect">
+                                  <p:stCondLst>
+                                    <p:cond delay="0"/>
+                                  </p:stCondLst>
+                                  <p:childTnLst>
+                                    <p:set>
+                                      <p:cBhvr>
+                                        <p:cTn id="25" dur="1" fill="hold">
+                                          <p:stCondLst>
+                                            <p:cond delay="0"/>
+                                          </p:stCondLst>
+                                        </p:cTn>
+                                        <p:tgtEl>
+                                          <p:spTgt spid="19"/>
+                                        </p:tgtEl>
+                                        <p:attrNameLst>
+                                          <p:attrName>style.visibility</p:attrName>
+                                        </p:attrNameLst>
+                                      </p:cBhvr>
+                                      <p:to>
+                                        <p:strVal val="visible"/>
+                                      </p:to>
+                                    </p:set>
+                                    <p:animEffect transition="in" filter="fade">
+                                      <p:cBhvr>
+                                        <p:cTn id="26" dur="500"/>
+                                        <p:tgtEl>
+                                          <p:spTgt spid="19"/>
+                                        </p:tgtEl>
+                                      </p:cBhvr>
+                                    </p:animEffect>
+                                  </p:childTnLst>
+                                </p:cTn>
+                              </p:par>
+                            </p:childTnLst>
+                          </p:cTn>
+                        </p:par>
+                        <p:par>
+                          <p:cTn id="27" fill="hold">
+                            <p:stCondLst>
+                              <p:cond delay="500"/>
+                            </p:stCondLst>
+                            <p:childTnLst>
+                              <p:par>
+                                <p:cTn id="28" presetID="10" presetClass="entr" presetSubtype="0" fill="hold" grpId="0" nodeType="afterEffect">
+                                  <p:stCondLst>
+                                    <p:cond delay="0"/>
+                                  </p:stCondLst>
+                                  <p:childTnLst>
+                                    <p:set>
+                                      <p:cBhvr>
+                                        <p:cTn id="29" dur="1" fill="hold">
+                                          <p:stCondLst>
+                                            <p:cond delay="0"/>
+                                          </p:stCondLst>
+                                        </p:cTn>
+                                        <p:tgtEl>
+                                          <p:spTgt spid="23"/>
+                                        </p:tgtEl>
+                                        <p:attrNameLst>
+                                          <p:attrName>style.visibility</p:attrName>
+                                        </p:attrNameLst>
+                                      </p:cBhvr>
+                                      <p:to>
+                                        <p:strVal val="visible"/>
+                                      </p:to>
+                                    </p:set>
+                                    <p:animEffect transition="in" filter="fade">
+                                      <p:cBhvr>
+                                        <p:cTn id="30" dur="500"/>
+                                        <p:tgtEl>
+                                          <p:spTgt spid="23"/>
+                                        </p:tgtEl>
+                                      </p:cBhvr>
+                                    </p:animEffect>
+                                  </p:childTnLst>
+                                </p:cTn>
+                              </p:par>
+                              <p:par>
+                                <p:cTn id="31" presetID="10" presetClass="entr" presetSubtype="0" fill="hold" grpId="0" nodeType="withEffect">
+                                  <p:stCondLst>
+                                    <p:cond delay="0"/>
+                                  </p:stCondLst>
+                                  <p:childTnLst>
+                                    <p:set>
+                                      <p:cBhvr>
+                                        <p:cTn id="32" dur="1" fill="hold">
+                                          <p:stCondLst>
+                                            <p:cond delay="0"/>
+                                          </p:stCondLst>
+                                        </p:cTn>
+                                        <p:tgtEl>
+                                          <p:spTgt spid="21"/>
+                                        </p:tgtEl>
+                                        <p:attrNameLst>
+                                          <p:attrName>style.visibility</p:attrName>
+                                        </p:attrNameLst>
+                                      </p:cBhvr>
+                                      <p:to>
+                                        <p:strVal val="visible"/>
+                                      </p:to>
+                                    </p:set>
+                                    <p:animEffect transition="in" filter="fade">
+                                      <p:cBhvr>
+                                        <p:cTn id="33" dur="500"/>
+                                        <p:tgtEl>
+                                          <p:spTgt spid="21"/>
+                                        </p:tgtEl>
+                                      </p:cBhvr>
+                                    </p:animEffect>
+                                  </p:childTnLst>
+                                </p:cTn>
+                              </p:par>
+                            </p:childTnLst>
+                          </p:cTn>
+                        </p:par>
+                        <p:par>
+                          <p:cTn id="34" fill="hold">
+                            <p:stCondLst>
+                              <p:cond delay="1000"/>
+                            </p:stCondLst>
+                            <p:childTnLst>
+                              <p:par>
+                                <p:cTn id="35" presetID="10" presetClass="entr" presetSubtype="0" fill="hold" grpId="0" nodeType="afterEffect">
+                                  <p:stCondLst>
+                                    <p:cond delay="0"/>
+                                  </p:stCondLst>
+                                  <p:childTnLst>
+                                    <p:set>
+                                      <p:cBhvr>
+                                        <p:cTn id="36" dur="1" fill="hold">
+                                          <p:stCondLst>
+                                            <p:cond delay="0"/>
+                                          </p:stCondLst>
+                                        </p:cTn>
+                                        <p:tgtEl>
+                                          <p:spTgt spid="22"/>
+                                        </p:tgtEl>
+                                        <p:attrNameLst>
+                                          <p:attrName>style.visibility</p:attrName>
+                                        </p:attrNameLst>
+                                      </p:cBhvr>
+                                      <p:to>
+                                        <p:strVal val="visible"/>
+                                      </p:to>
+                                    </p:set>
+                                    <p:animEffect transition="in" filter="fade">
+                                      <p:cBhvr>
+                                        <p:cTn id="37" dur="500"/>
+                                        <p:tgtEl>
+                                          <p:spTgt spid="22"/>
                                         </p:tgtEl>
                                       </p:cBhvr>
                                     </p:animEffect>
@@ -11823,30 +12315,21 @@
                             </p:childTnLst>
                           </p:cTn>
                         </p:par>
-                      </p:childTnLst>
-                    </p:cTn>
-                  </p:par>
-                  <p:par>
-                    <p:cTn id="46" fill="hold">
-                      <p:stCondLst>
-                        <p:cond delay="indefinite"/>
-                      </p:stCondLst>
-                      <p:childTnLst>
                         <p:par>
-                          <p:cTn id="47" fill="hold">
+                          <p:cTn id="46" fill="hold">
                             <p:stCondLst>
                               <p:cond delay="0"/>
                             </p:stCondLst>
                             <p:childTnLst>
                               <p:par>
-                                <p:cTn id="48" presetID="10" presetClass="entr" presetSubtype="0" fill="hold" grpId="0" nodeType="clickEffect">
+                                <p:cTn id="47" presetID="10" presetClass="entr" presetSubtype="0" fill="hold" grpId="0" nodeType="afterEffect">
                                   <p:stCondLst>
                                     <p:cond delay="0"/>
                                   </p:stCondLst>
                                   <p:childTnLst>
                                     <p:set>
                                       <p:cBhvr>
-                                        <p:cTn id="49" dur="1" fill="hold">
+                                        <p:cTn id="48" dur="1" fill="hold">
                                           <p:stCondLst>
                                             <p:cond delay="0"/>
                                           </p:stCondLst>
@@ -11864,7 +12347,7 @@
                                     </p:set>
                                     <p:animEffect transition="in" filter="fade">
                                       <p:cBhvr>
-                                        <p:cTn id="50" dur="500"/>
+                                        <p:cTn id="49" dur="500"/>
                                         <p:tgtEl>
                                           <p:spTgt spid="11"/>
                                         </p:tgtEl>
@@ -11874,14 +12357,14 @@
                                 </p:cTn>
                               </p:par>
                               <p:par>
-                                <p:cTn id="51" presetID="10" presetClass="entr" presetSubtype="0" fill="hold" grpId="0" nodeType="withEffect">
+                                <p:cTn id="50" presetID="10" presetClass="entr" presetSubtype="0" fill="hold" grpId="0" nodeType="withEffect">
                                   <p:stCondLst>
                                     <p:cond delay="0"/>
                                   </p:stCondLst>
                                   <p:childTnLst>
                                     <p:set>
                                       <p:cBhvr>
-                                        <p:cTn id="52" dur="1" fill="hold">
+                                        <p:cTn id="51" dur="1" fill="hold">
                                           <p:stCondLst>
                                             <p:cond delay="0"/>
                                           </p:stCondLst>
@@ -11899,7 +12382,7 @@
                                     </p:set>
                                     <p:animEffect transition="in" filter="fade">
                                       <p:cBhvr>
-                                        <p:cTn id="53" dur="500"/>
+                                        <p:cTn id="52" dur="500"/>
                                         <p:tgtEl>
                                           <p:spTgt spid="9"/>
                                         </p:tgtEl>
@@ -11915,26 +12398,26 @@
                     </p:cTn>
                   </p:par>
                   <p:par>
-                    <p:cTn id="54" fill="hold">
+                    <p:cTn id="53" fill="hold">
                       <p:stCondLst>
                         <p:cond delay="indefinite"/>
                       </p:stCondLst>
                       <p:childTnLst>
                         <p:par>
-                          <p:cTn id="55" fill="hold">
+                          <p:cTn id="54" fill="hold">
                             <p:stCondLst>
                               <p:cond delay="0"/>
                             </p:stCondLst>
                             <p:childTnLst>
                               <p:par>
-                                <p:cTn id="56" presetID="10" presetClass="entr" presetSubtype="0" fill="hold" grpId="0" nodeType="clickEffect">
+                                <p:cTn id="55" presetID="10" presetClass="entr" presetSubtype="0" fill="hold" grpId="0" nodeType="clickEffect">
                                   <p:stCondLst>
                                     <p:cond delay="0"/>
                                   </p:stCondLst>
                                   <p:childTnLst>
                                     <p:set>
                                       <p:cBhvr>
-                                        <p:cTn id="57" dur="1" fill="hold">
+                                        <p:cTn id="56" dur="1" fill="hold">
                                           <p:stCondLst>
                                             <p:cond delay="0"/>
                                           </p:stCondLst>
@@ -11952,7 +12435,7 @@
                                     </p:set>
                                     <p:animEffect transition="in" filter="fade">
                                       <p:cBhvr>
-                                        <p:cTn id="58" dur="500"/>
+                                        <p:cTn id="57" dur="500"/>
                                         <p:tgtEl>
                                           <p:spTgt spid="17"/>
                                         </p:tgtEl>
@@ -11962,14 +12445,14 @@
                                 </p:cTn>
                               </p:par>
                               <p:par>
-                                <p:cTn id="59" presetID="10" presetClass="entr" presetSubtype="0" fill="hold" grpId="0" nodeType="withEffect">
+                                <p:cTn id="58" presetID="10" presetClass="entr" presetSubtype="0" fill="hold" grpId="0" nodeType="withEffect">
                                   <p:stCondLst>
                                     <p:cond delay="0"/>
                                   </p:stCondLst>
                                   <p:childTnLst>
                                     <p:set>
                                       <p:cBhvr>
-                                        <p:cTn id="60" dur="1" fill="hold">
+                                        <p:cTn id="59" dur="1" fill="hold">
                                           <p:stCondLst>
                                             <p:cond delay="0"/>
                                           </p:stCondLst>
@@ -11987,7 +12470,7 @@
                                     </p:set>
                                     <p:animEffect transition="in" filter="fade">
                                       <p:cBhvr>
-                                        <p:cTn id="61" dur="500"/>
+                                        <p:cTn id="60" dur="500"/>
                                         <p:tgtEl>
                                           <p:spTgt spid="21"/>
                                         </p:tgtEl>
@@ -11997,14 +12480,14 @@
                                 </p:cTn>
                               </p:par>
                               <p:par>
-                                <p:cTn id="62" presetID="10" presetClass="entr" presetSubtype="0" fill="hold" nodeType="withEffect">
+                                <p:cTn id="61" presetID="10" presetClass="entr" presetSubtype="0" fill="hold" nodeType="withEffect">
                                   <p:stCondLst>
                                     <p:cond delay="0"/>
                                   </p:stCondLst>
                                   <p:childTnLst>
                                     <p:set>
                                       <p:cBhvr>
-                                        <p:cTn id="63" dur="1" fill="hold">
+                                        <p:cTn id="62" dur="1" fill="hold">
                                           <p:stCondLst>
                                             <p:cond delay="0"/>
                                           </p:stCondLst>
@@ -12026,7 +12509,7 @@
                                     </p:set>
                                     <p:animEffect transition="in" filter="fade">
                                       <p:cBhvr>
-                                        <p:cTn id="64" dur="500"/>
+                                        <p:cTn id="63" dur="500"/>
                                         <p:tgtEl>
                                           <p:spTgt spid="22">
                                             <p:txEl>
@@ -12046,26 +12529,26 @@
                     </p:cTn>
                   </p:par>
                   <p:par>
-                    <p:cTn id="65" fill="hold">
+                    <p:cTn id="64" fill="hold">
                       <p:stCondLst>
                         <p:cond delay="indefinite"/>
                       </p:stCondLst>
                       <p:childTnLst>
                         <p:par>
-                          <p:cTn id="66" fill="hold">
+                          <p:cTn id="65" fill="hold">
                             <p:stCondLst>
                               <p:cond delay="0"/>
                             </p:stCondLst>
                             <p:childTnLst>
                               <p:par>
-                                <p:cTn id="67" presetID="10" presetClass="entr" presetSubtype="0" fill="hold" grpId="0" nodeType="clickEffect">
+                                <p:cTn id="66" presetID="10" presetClass="entr" presetSubtype="0" fill="hold" grpId="0" nodeType="clickEffect">
                                   <p:stCondLst>
                                     <p:cond delay="0"/>
                                   </p:stCondLst>
                                   <p:childTnLst>
                                     <p:set>
                                       <p:cBhvr>
-                                        <p:cTn id="68" dur="1" fill="hold">
+                                        <p:cTn id="67" dur="1" fill="hold">
                                           <p:stCondLst>
                                             <p:cond delay="0"/>
                                           </p:stCondLst>
@@ -12083,56 +12566,12 @@
                                     </p:set>
                                     <p:animEffect transition="in" filter="fade">
                                       <p:cBhvr>
-                                        <p:cTn id="69" dur="500"/>
+                                        <p:cTn id="68" dur="500"/>
                                         <p:tgtEl>
                                           <p:spTgt spid="23"/>
                                         </p:tgtEl>
                                       </p:cBhvr>
                                     </p:animEffect>
-                                  </p:childTnLst>
-                                </p:cTn>
-                              </p:par>
-                            </p:childTnLst>
-                          </p:cTn>
-                        </p:par>
-                      </p:childTnLst>
-                    </p:cTn>
-                  </p:par>
-                  <p:par>
-                    <p:cTn id="70" fill="hold">
-                      <p:stCondLst>
-                        <p:cond delay="indefinite"/>
-                      </p:stCondLst>
-                      <p:childTnLst>
-                        <p:par>
-                          <p:cTn id="71" fill="hold">
-                            <p:stCondLst>
-                              <p:cond delay="0"/>
-                            </p:stCondLst>
-                            <p:childTnLst>
-                              <p:par>
-                                <p:cTn id="72" presetID="26" presetClass="emph" presetSubtype="0" fill="hold" grpId="1" nodeType="clickEffect">
-                                  <p:stCondLst>
-                                    <p:cond delay="0"/>
-                                  </p:stCondLst>
-                                  <p:childTnLst>
-                                    <p:animEffect transition="out" filter="fade">
-                                      <p:cBhvr>
-                                        <p:cTn id="73" dur="500" tmFilter="0, 0; .2, .5; .8, .5; 1, 0"/>
-                                        <p:tgtEl>
-                                          <p:spTgt spid="23"/>
-                                        </p:tgtEl>
-                                      </p:cBhvr>
-                                    </p:animEffect>
-                                    <p:animScale>
-                                      <p:cBhvr>
-                                        <p:cTn id="74" dur="250" autoRev="1" fill="hold"/>
-                                        <p:tgtEl>
-                                          <p:spTgt spid="23"/>
-                                        </p:tgtEl>
-                                      </p:cBhvr>
-                                      <p:by x="105000" y="105000"/>
-                                    </p:animScale>
                                   </p:childTnLst>
                                 </p:cTn>
                               </p:par>
@@ -12180,7 +12619,6 @@
       <p:bldP spid="18" grpId="0"/>
       <p:bldP spid="21" grpId="0"/>
       <p:bldP spid="23" grpId="0"/>
-      <p:bldP spid="23" grpId="1"/>
     </p:bldLst>
   </p:timing>
 </p:sld>
